--- a/Records/Files/Jffs2-part2.pptx
+++ b/Records/Files/Jffs2-part2.pptx
@@ -211,7 +211,7 @@
           <a:p>
             <a:fld id="{349A9636-C064-4D87-A016-1C1028F8ABA8}" type="datetimeFigureOut">
               <a:rPr lang="zh-CN" altLang="en-US" smtClean="0"/>
-              <a:t>2021-03-09</a:t>
+              <a:t>2021-03-28</a:t>
             </a:fld>
             <a:endParaRPr lang="zh-CN" altLang="en-US"/>
           </a:p>
@@ -709,7 +709,7 @@
           <a:p>
             <a:fld id="{3889945D-EA50-4DA4-A4EA-09E8A1F1BC3D}" type="datetimeFigureOut">
               <a:rPr lang="zh-CN" altLang="en-US" smtClean="0"/>
-              <a:t>2021-03-09</a:t>
+              <a:t>2021-03-28</a:t>
             </a:fld>
             <a:endParaRPr lang="zh-CN" altLang="en-US"/>
           </a:p>
@@ -907,7 +907,7 @@
           <a:p>
             <a:fld id="{3889945D-EA50-4DA4-A4EA-09E8A1F1BC3D}" type="datetimeFigureOut">
               <a:rPr lang="zh-CN" altLang="en-US" smtClean="0"/>
-              <a:t>2021-03-09</a:t>
+              <a:t>2021-03-28</a:t>
             </a:fld>
             <a:endParaRPr lang="zh-CN" altLang="en-US"/>
           </a:p>
@@ -1115,7 +1115,7 @@
           <a:p>
             <a:fld id="{3889945D-EA50-4DA4-A4EA-09E8A1F1BC3D}" type="datetimeFigureOut">
               <a:rPr lang="zh-CN" altLang="en-US" smtClean="0"/>
-              <a:t>2021-03-09</a:t>
+              <a:t>2021-03-28</a:t>
             </a:fld>
             <a:endParaRPr lang="zh-CN" altLang="en-US"/>
           </a:p>
@@ -1313,7 +1313,7 @@
           <a:p>
             <a:fld id="{3889945D-EA50-4DA4-A4EA-09E8A1F1BC3D}" type="datetimeFigureOut">
               <a:rPr lang="zh-CN" altLang="en-US" smtClean="0"/>
-              <a:t>2021-03-09</a:t>
+              <a:t>2021-03-28</a:t>
             </a:fld>
             <a:endParaRPr lang="zh-CN" altLang="en-US"/>
           </a:p>
@@ -1588,7 +1588,7 @@
           <a:p>
             <a:fld id="{3889945D-EA50-4DA4-A4EA-09E8A1F1BC3D}" type="datetimeFigureOut">
               <a:rPr lang="zh-CN" altLang="en-US" smtClean="0"/>
-              <a:t>2021-03-09</a:t>
+              <a:t>2021-03-28</a:t>
             </a:fld>
             <a:endParaRPr lang="zh-CN" altLang="en-US"/>
           </a:p>
@@ -1853,7 +1853,7 @@
           <a:p>
             <a:fld id="{3889945D-EA50-4DA4-A4EA-09E8A1F1BC3D}" type="datetimeFigureOut">
               <a:rPr lang="zh-CN" altLang="en-US" smtClean="0"/>
-              <a:t>2021-03-09</a:t>
+              <a:t>2021-03-28</a:t>
             </a:fld>
             <a:endParaRPr lang="zh-CN" altLang="en-US"/>
           </a:p>
@@ -2265,7 +2265,7 @@
           <a:p>
             <a:fld id="{3889945D-EA50-4DA4-A4EA-09E8A1F1BC3D}" type="datetimeFigureOut">
               <a:rPr lang="zh-CN" altLang="en-US" smtClean="0"/>
-              <a:t>2021-03-09</a:t>
+              <a:t>2021-03-28</a:t>
             </a:fld>
             <a:endParaRPr lang="zh-CN" altLang="en-US"/>
           </a:p>
@@ -2406,7 +2406,7 @@
           <a:p>
             <a:fld id="{3889945D-EA50-4DA4-A4EA-09E8A1F1BC3D}" type="datetimeFigureOut">
               <a:rPr lang="zh-CN" altLang="en-US" smtClean="0"/>
-              <a:t>2021-03-09</a:t>
+              <a:t>2021-03-28</a:t>
             </a:fld>
             <a:endParaRPr lang="zh-CN" altLang="en-US"/>
           </a:p>
@@ -2519,7 +2519,7 @@
           <a:p>
             <a:fld id="{3889945D-EA50-4DA4-A4EA-09E8A1F1BC3D}" type="datetimeFigureOut">
               <a:rPr lang="zh-CN" altLang="en-US" smtClean="0"/>
-              <a:t>2021-03-09</a:t>
+              <a:t>2021-03-28</a:t>
             </a:fld>
             <a:endParaRPr lang="zh-CN" altLang="en-US"/>
           </a:p>
@@ -2830,7 +2830,7 @@
           <a:p>
             <a:fld id="{3889945D-EA50-4DA4-A4EA-09E8A1F1BC3D}" type="datetimeFigureOut">
               <a:rPr lang="zh-CN" altLang="en-US" smtClean="0"/>
-              <a:t>2021-03-09</a:t>
+              <a:t>2021-03-28</a:t>
             </a:fld>
             <a:endParaRPr lang="zh-CN" altLang="en-US"/>
           </a:p>
@@ -3118,7 +3118,7 @@
           <a:p>
             <a:fld id="{3889945D-EA50-4DA4-A4EA-09E8A1F1BC3D}" type="datetimeFigureOut">
               <a:rPr lang="zh-CN" altLang="en-US" smtClean="0"/>
-              <a:t>2021-03-09</a:t>
+              <a:t>2021-03-28</a:t>
             </a:fld>
             <a:endParaRPr lang="zh-CN" altLang="en-US"/>
           </a:p>
@@ -3359,7 +3359,7 @@
           <a:p>
             <a:fld id="{3889945D-EA50-4DA4-A4EA-09E8A1F1BC3D}" type="datetimeFigureOut">
               <a:rPr lang="zh-CN" altLang="en-US" smtClean="0"/>
-              <a:t>2021-03-09</a:t>
+              <a:t>2021-03-28</a:t>
             </a:fld>
             <a:endParaRPr lang="zh-CN" altLang="en-US"/>
           </a:p>

--- a/Records/Files/Jffs2-part2.pptx
+++ b/Records/Files/Jffs2-part2.pptx
@@ -211,7 +211,7 @@
           <a:p>
             <a:fld id="{349A9636-C064-4D87-A016-1C1028F8ABA8}" type="datetimeFigureOut">
               <a:rPr lang="zh-CN" altLang="en-US" smtClean="0"/>
-              <a:t>2021-03-28</a:t>
+              <a:t>2021-04-03</a:t>
             </a:fld>
             <a:endParaRPr lang="zh-CN" altLang="en-US"/>
           </a:p>
@@ -709,7 +709,7 @@
           <a:p>
             <a:fld id="{3889945D-EA50-4DA4-A4EA-09E8A1F1BC3D}" type="datetimeFigureOut">
               <a:rPr lang="zh-CN" altLang="en-US" smtClean="0"/>
-              <a:t>2021-03-28</a:t>
+              <a:t>2021-04-03</a:t>
             </a:fld>
             <a:endParaRPr lang="zh-CN" altLang="en-US"/>
           </a:p>
@@ -907,7 +907,7 @@
           <a:p>
             <a:fld id="{3889945D-EA50-4DA4-A4EA-09E8A1F1BC3D}" type="datetimeFigureOut">
               <a:rPr lang="zh-CN" altLang="en-US" smtClean="0"/>
-              <a:t>2021-03-28</a:t>
+              <a:t>2021-04-03</a:t>
             </a:fld>
             <a:endParaRPr lang="zh-CN" altLang="en-US"/>
           </a:p>
@@ -1115,7 +1115,7 @@
           <a:p>
             <a:fld id="{3889945D-EA50-4DA4-A4EA-09E8A1F1BC3D}" type="datetimeFigureOut">
               <a:rPr lang="zh-CN" altLang="en-US" smtClean="0"/>
-              <a:t>2021-03-28</a:t>
+              <a:t>2021-04-03</a:t>
             </a:fld>
             <a:endParaRPr lang="zh-CN" altLang="en-US"/>
           </a:p>
@@ -1313,7 +1313,7 @@
           <a:p>
             <a:fld id="{3889945D-EA50-4DA4-A4EA-09E8A1F1BC3D}" type="datetimeFigureOut">
               <a:rPr lang="zh-CN" altLang="en-US" smtClean="0"/>
-              <a:t>2021-03-28</a:t>
+              <a:t>2021-04-03</a:t>
             </a:fld>
             <a:endParaRPr lang="zh-CN" altLang="en-US"/>
           </a:p>
@@ -1588,7 +1588,7 @@
           <a:p>
             <a:fld id="{3889945D-EA50-4DA4-A4EA-09E8A1F1BC3D}" type="datetimeFigureOut">
               <a:rPr lang="zh-CN" altLang="en-US" smtClean="0"/>
-              <a:t>2021-03-28</a:t>
+              <a:t>2021-04-03</a:t>
             </a:fld>
             <a:endParaRPr lang="zh-CN" altLang="en-US"/>
           </a:p>
@@ -1853,7 +1853,7 @@
           <a:p>
             <a:fld id="{3889945D-EA50-4DA4-A4EA-09E8A1F1BC3D}" type="datetimeFigureOut">
               <a:rPr lang="zh-CN" altLang="en-US" smtClean="0"/>
-              <a:t>2021-03-28</a:t>
+              <a:t>2021-04-03</a:t>
             </a:fld>
             <a:endParaRPr lang="zh-CN" altLang="en-US"/>
           </a:p>
@@ -2265,7 +2265,7 @@
           <a:p>
             <a:fld id="{3889945D-EA50-4DA4-A4EA-09E8A1F1BC3D}" type="datetimeFigureOut">
               <a:rPr lang="zh-CN" altLang="en-US" smtClean="0"/>
-              <a:t>2021-03-28</a:t>
+              <a:t>2021-04-03</a:t>
             </a:fld>
             <a:endParaRPr lang="zh-CN" altLang="en-US"/>
           </a:p>
@@ -2406,7 +2406,7 @@
           <a:p>
             <a:fld id="{3889945D-EA50-4DA4-A4EA-09E8A1F1BC3D}" type="datetimeFigureOut">
               <a:rPr lang="zh-CN" altLang="en-US" smtClean="0"/>
-              <a:t>2021-03-28</a:t>
+              <a:t>2021-04-03</a:t>
             </a:fld>
             <a:endParaRPr lang="zh-CN" altLang="en-US"/>
           </a:p>
@@ -2519,7 +2519,7 @@
           <a:p>
             <a:fld id="{3889945D-EA50-4DA4-A4EA-09E8A1F1BC3D}" type="datetimeFigureOut">
               <a:rPr lang="zh-CN" altLang="en-US" smtClean="0"/>
-              <a:t>2021-03-28</a:t>
+              <a:t>2021-04-03</a:t>
             </a:fld>
             <a:endParaRPr lang="zh-CN" altLang="en-US"/>
           </a:p>
@@ -2830,7 +2830,7 @@
           <a:p>
             <a:fld id="{3889945D-EA50-4DA4-A4EA-09E8A1F1BC3D}" type="datetimeFigureOut">
               <a:rPr lang="zh-CN" altLang="en-US" smtClean="0"/>
-              <a:t>2021-03-28</a:t>
+              <a:t>2021-04-03</a:t>
             </a:fld>
             <a:endParaRPr lang="zh-CN" altLang="en-US"/>
           </a:p>
@@ -3118,7 +3118,7 @@
           <a:p>
             <a:fld id="{3889945D-EA50-4DA4-A4EA-09E8A1F1BC3D}" type="datetimeFigureOut">
               <a:rPr lang="zh-CN" altLang="en-US" smtClean="0"/>
-              <a:t>2021-03-28</a:t>
+              <a:t>2021-04-03</a:t>
             </a:fld>
             <a:endParaRPr lang="zh-CN" altLang="en-US"/>
           </a:p>
@@ -3359,7 +3359,7 @@
           <a:p>
             <a:fld id="{3889945D-EA50-4DA4-A4EA-09E8A1F1BC3D}" type="datetimeFigureOut">
               <a:rPr lang="zh-CN" altLang="en-US" smtClean="0"/>
-              <a:t>2021-03-28</a:t>
+              <a:t>2021-04-03</a:t>
             </a:fld>
             <a:endParaRPr lang="zh-CN" altLang="en-US"/>
           </a:p>
@@ -4849,8 +4849,8 @@
         </p:nvSpPr>
         <p:spPr>
           <a:xfrm>
-            <a:off x="1022662" y="5080502"/>
-            <a:ext cx="4607169" cy="369332"/>
+            <a:off x="1022662" y="5364526"/>
+            <a:ext cx="6460489" cy="369332"/>
           </a:xfrm>
           <a:prstGeom prst="rect">
             <a:avLst/>

--- a/Records/Files/Jffs2-part2.pptx
+++ b/Records/Files/Jffs2-part2.pptx
@@ -211,7 +211,7 @@
           <a:p>
             <a:fld id="{349A9636-C064-4D87-A016-1C1028F8ABA8}" type="datetimeFigureOut">
               <a:rPr lang="zh-CN" altLang="en-US" smtClean="0"/>
-              <a:t>2021-04-03</a:t>
+              <a:t>2021-05-21</a:t>
             </a:fld>
             <a:endParaRPr lang="zh-CN" altLang="en-US"/>
           </a:p>
@@ -709,7 +709,7 @@
           <a:p>
             <a:fld id="{3889945D-EA50-4DA4-A4EA-09E8A1F1BC3D}" type="datetimeFigureOut">
               <a:rPr lang="zh-CN" altLang="en-US" smtClean="0"/>
-              <a:t>2021-04-03</a:t>
+              <a:t>2021-05-21</a:t>
             </a:fld>
             <a:endParaRPr lang="zh-CN" altLang="en-US"/>
           </a:p>
@@ -907,7 +907,7 @@
           <a:p>
             <a:fld id="{3889945D-EA50-4DA4-A4EA-09E8A1F1BC3D}" type="datetimeFigureOut">
               <a:rPr lang="zh-CN" altLang="en-US" smtClean="0"/>
-              <a:t>2021-04-03</a:t>
+              <a:t>2021-05-21</a:t>
             </a:fld>
             <a:endParaRPr lang="zh-CN" altLang="en-US"/>
           </a:p>
@@ -1115,7 +1115,7 @@
           <a:p>
             <a:fld id="{3889945D-EA50-4DA4-A4EA-09E8A1F1BC3D}" type="datetimeFigureOut">
               <a:rPr lang="zh-CN" altLang="en-US" smtClean="0"/>
-              <a:t>2021-04-03</a:t>
+              <a:t>2021-05-21</a:t>
             </a:fld>
             <a:endParaRPr lang="zh-CN" altLang="en-US"/>
           </a:p>
@@ -1313,7 +1313,7 @@
           <a:p>
             <a:fld id="{3889945D-EA50-4DA4-A4EA-09E8A1F1BC3D}" type="datetimeFigureOut">
               <a:rPr lang="zh-CN" altLang="en-US" smtClean="0"/>
-              <a:t>2021-04-03</a:t>
+              <a:t>2021-05-21</a:t>
             </a:fld>
             <a:endParaRPr lang="zh-CN" altLang="en-US"/>
           </a:p>
@@ -1588,7 +1588,7 @@
           <a:p>
             <a:fld id="{3889945D-EA50-4DA4-A4EA-09E8A1F1BC3D}" type="datetimeFigureOut">
               <a:rPr lang="zh-CN" altLang="en-US" smtClean="0"/>
-              <a:t>2021-04-03</a:t>
+              <a:t>2021-05-21</a:t>
             </a:fld>
             <a:endParaRPr lang="zh-CN" altLang="en-US"/>
           </a:p>
@@ -1853,7 +1853,7 @@
           <a:p>
             <a:fld id="{3889945D-EA50-4DA4-A4EA-09E8A1F1BC3D}" type="datetimeFigureOut">
               <a:rPr lang="zh-CN" altLang="en-US" smtClean="0"/>
-              <a:t>2021-04-03</a:t>
+              <a:t>2021-05-21</a:t>
             </a:fld>
             <a:endParaRPr lang="zh-CN" altLang="en-US"/>
           </a:p>
@@ -2265,7 +2265,7 @@
           <a:p>
             <a:fld id="{3889945D-EA50-4DA4-A4EA-09E8A1F1BC3D}" type="datetimeFigureOut">
               <a:rPr lang="zh-CN" altLang="en-US" smtClean="0"/>
-              <a:t>2021-04-03</a:t>
+              <a:t>2021-05-21</a:t>
             </a:fld>
             <a:endParaRPr lang="zh-CN" altLang="en-US"/>
           </a:p>
@@ -2406,7 +2406,7 @@
           <a:p>
             <a:fld id="{3889945D-EA50-4DA4-A4EA-09E8A1F1BC3D}" type="datetimeFigureOut">
               <a:rPr lang="zh-CN" altLang="en-US" smtClean="0"/>
-              <a:t>2021-04-03</a:t>
+              <a:t>2021-05-21</a:t>
             </a:fld>
             <a:endParaRPr lang="zh-CN" altLang="en-US"/>
           </a:p>
@@ -2519,7 +2519,7 @@
           <a:p>
             <a:fld id="{3889945D-EA50-4DA4-A4EA-09E8A1F1BC3D}" type="datetimeFigureOut">
               <a:rPr lang="zh-CN" altLang="en-US" smtClean="0"/>
-              <a:t>2021-04-03</a:t>
+              <a:t>2021-05-21</a:t>
             </a:fld>
             <a:endParaRPr lang="zh-CN" altLang="en-US"/>
           </a:p>
@@ -2830,7 +2830,7 @@
           <a:p>
             <a:fld id="{3889945D-EA50-4DA4-A4EA-09E8A1F1BC3D}" type="datetimeFigureOut">
               <a:rPr lang="zh-CN" altLang="en-US" smtClean="0"/>
-              <a:t>2021-04-03</a:t>
+              <a:t>2021-05-21</a:t>
             </a:fld>
             <a:endParaRPr lang="zh-CN" altLang="en-US"/>
           </a:p>
@@ -3118,7 +3118,7 @@
           <a:p>
             <a:fld id="{3889945D-EA50-4DA4-A4EA-09E8A1F1BC3D}" type="datetimeFigureOut">
               <a:rPr lang="zh-CN" altLang="en-US" smtClean="0"/>
-              <a:t>2021-04-03</a:t>
+              <a:t>2021-05-21</a:t>
             </a:fld>
             <a:endParaRPr lang="zh-CN" altLang="en-US"/>
           </a:p>
@@ -3359,7 +3359,7 @@
           <a:p>
             <a:fld id="{3889945D-EA50-4DA4-A4EA-09E8A1F1BC3D}" type="datetimeFigureOut">
               <a:rPr lang="zh-CN" altLang="en-US" smtClean="0"/>
-              <a:t>2021-04-03</a:t>
+              <a:t>2021-05-21</a:t>
             </a:fld>
             <a:endParaRPr lang="zh-CN" altLang="en-US"/>
           </a:p>
